--- a/Deep Transformers with Latent Depth.pptx
+++ b/Deep Transformers with Latent Depth.pptx
@@ -274,7 +274,7 @@
           <a:p>
             <a:fld id="{B7AB724A-F98A-4F97-B074-4D9943CAC3E3}" type="datetimeFigureOut">
               <a:rPr lang="ko-KR" altLang="en-US" smtClean="0"/>
-              <a:t>2021-01-11</a:t>
+              <a:t>2021-01-13</a:t>
             </a:fld>
             <a:endParaRPr lang="ko-KR" altLang="en-US"/>
           </a:p>
@@ -1286,7 +1286,7 @@
           <a:p>
             <a:fld id="{F6CBD962-0F0C-4D7C-9C5D-7F1194D0A081}" type="datetimeFigureOut">
               <a:rPr lang="ko-KR" altLang="en-US" smtClean="0"/>
-              <a:t>2021-01-11</a:t>
+              <a:t>2021-01-13</a:t>
             </a:fld>
             <a:endParaRPr lang="ko-KR" altLang="en-US"/>
           </a:p>
@@ -1484,7 +1484,7 @@
           <a:p>
             <a:fld id="{F6CBD962-0F0C-4D7C-9C5D-7F1194D0A081}" type="datetimeFigureOut">
               <a:rPr lang="ko-KR" altLang="en-US" smtClean="0"/>
-              <a:t>2021-01-11</a:t>
+              <a:t>2021-01-13</a:t>
             </a:fld>
             <a:endParaRPr lang="ko-KR" altLang="en-US"/>
           </a:p>
@@ -1692,7 +1692,7 @@
           <a:p>
             <a:fld id="{F6CBD962-0F0C-4D7C-9C5D-7F1194D0A081}" type="datetimeFigureOut">
               <a:rPr lang="ko-KR" altLang="en-US" smtClean="0"/>
-              <a:t>2021-01-11</a:t>
+              <a:t>2021-01-13</a:t>
             </a:fld>
             <a:endParaRPr lang="ko-KR" altLang="en-US"/>
           </a:p>
@@ -1890,7 +1890,7 @@
           <a:p>
             <a:fld id="{F6CBD962-0F0C-4D7C-9C5D-7F1194D0A081}" type="datetimeFigureOut">
               <a:rPr lang="ko-KR" altLang="en-US" smtClean="0"/>
-              <a:t>2021-01-11</a:t>
+              <a:t>2021-01-13</a:t>
             </a:fld>
             <a:endParaRPr lang="ko-KR" altLang="en-US"/>
           </a:p>
@@ -2165,7 +2165,7 @@
           <a:p>
             <a:fld id="{F6CBD962-0F0C-4D7C-9C5D-7F1194D0A081}" type="datetimeFigureOut">
               <a:rPr lang="ko-KR" altLang="en-US" smtClean="0"/>
-              <a:t>2021-01-11</a:t>
+              <a:t>2021-01-13</a:t>
             </a:fld>
             <a:endParaRPr lang="ko-KR" altLang="en-US"/>
           </a:p>
@@ -2430,7 +2430,7 @@
           <a:p>
             <a:fld id="{F6CBD962-0F0C-4D7C-9C5D-7F1194D0A081}" type="datetimeFigureOut">
               <a:rPr lang="ko-KR" altLang="en-US" smtClean="0"/>
-              <a:t>2021-01-11</a:t>
+              <a:t>2021-01-13</a:t>
             </a:fld>
             <a:endParaRPr lang="ko-KR" altLang="en-US"/>
           </a:p>
@@ -2842,7 +2842,7 @@
           <a:p>
             <a:fld id="{F6CBD962-0F0C-4D7C-9C5D-7F1194D0A081}" type="datetimeFigureOut">
               <a:rPr lang="ko-KR" altLang="en-US" smtClean="0"/>
-              <a:t>2021-01-11</a:t>
+              <a:t>2021-01-13</a:t>
             </a:fld>
             <a:endParaRPr lang="ko-KR" altLang="en-US"/>
           </a:p>
@@ -2983,7 +2983,7 @@
           <a:p>
             <a:fld id="{F6CBD962-0F0C-4D7C-9C5D-7F1194D0A081}" type="datetimeFigureOut">
               <a:rPr lang="ko-KR" altLang="en-US" smtClean="0"/>
-              <a:t>2021-01-11</a:t>
+              <a:t>2021-01-13</a:t>
             </a:fld>
             <a:endParaRPr lang="ko-KR" altLang="en-US"/>
           </a:p>
@@ -3096,7 +3096,7 @@
           <a:p>
             <a:fld id="{F6CBD962-0F0C-4D7C-9C5D-7F1194D0A081}" type="datetimeFigureOut">
               <a:rPr lang="ko-KR" altLang="en-US" smtClean="0"/>
-              <a:t>2021-01-11</a:t>
+              <a:t>2021-01-13</a:t>
             </a:fld>
             <a:endParaRPr lang="ko-KR" altLang="en-US"/>
           </a:p>
@@ -3407,7 +3407,7 @@
           <a:p>
             <a:fld id="{F6CBD962-0F0C-4D7C-9C5D-7F1194D0A081}" type="datetimeFigureOut">
               <a:rPr lang="ko-KR" altLang="en-US" smtClean="0"/>
-              <a:t>2021-01-11</a:t>
+              <a:t>2021-01-13</a:t>
             </a:fld>
             <a:endParaRPr lang="ko-KR" altLang="en-US"/>
           </a:p>
@@ -3695,7 +3695,7 @@
           <a:p>
             <a:fld id="{F6CBD962-0F0C-4D7C-9C5D-7F1194D0A081}" type="datetimeFigureOut">
               <a:rPr lang="ko-KR" altLang="en-US" smtClean="0"/>
-              <a:t>2021-01-11</a:t>
+              <a:t>2021-01-13</a:t>
             </a:fld>
             <a:endParaRPr lang="ko-KR" altLang="en-US"/>
           </a:p>
@@ -3936,7 +3936,7 @@
           <a:p>
             <a:fld id="{F6CBD962-0F0C-4D7C-9C5D-7F1194D0A081}" type="datetimeFigureOut">
               <a:rPr lang="ko-KR" altLang="en-US" smtClean="0"/>
-              <a:t>2021-01-11</a:t>
+              <a:t>2021-01-13</a:t>
             </a:fld>
             <a:endParaRPr lang="ko-KR" altLang="en-US"/>
           </a:p>
@@ -4693,8 +4693,8 @@
           </a:p>
         </p:txBody>
       </p:sp>
-      <mc:AlternateContent xmlns:mc="http://schemas.openxmlformats.org/markup-compatibility/2006">
-        <mc:Choice xmlns:a14="http://schemas.microsoft.com/office/drawing/2010/main" Requires="a14">
+      <mc:AlternateContent xmlns:mc="http://schemas.openxmlformats.org/markup-compatibility/2006" xmlns:a14="http://schemas.microsoft.com/office/drawing/2010/main">
+        <mc:Choice Requires="a14">
           <p:sp>
             <p:nvSpPr>
               <p:cNvPr id="4" name="내용 개체 틀 3">
@@ -5810,7 +5810,7 @@
             </p:txBody>
           </p:sp>
         </mc:Choice>
-        <mc:Fallback>
+        <mc:Fallback xmlns="">
           <p:sp>
             <p:nvSpPr>
               <p:cNvPr id="4" name="내용 개체 틀 3">
@@ -6682,7 +6682,7 @@
         </p:blipFill>
         <p:spPr bwMode="auto">
           <a:xfrm>
-            <a:off x="852323" y="2437649"/>
+            <a:off x="2165734" y="2506662"/>
             <a:ext cx="8198752" cy="4351338"/>
           </a:xfrm>
           <a:prstGeom prst="rect">
@@ -6717,7 +6717,7 @@
         </p:nvSpPr>
         <p:spPr>
           <a:xfrm>
-            <a:off x="764720" y="1690688"/>
+            <a:off x="2078131" y="1759701"/>
             <a:ext cx="3325141" cy="584775"/>
           </a:xfrm>
           <a:prstGeom prst="rect">
@@ -6763,7 +6763,7 @@
         </p:nvSpPr>
         <p:spPr>
           <a:xfrm>
-            <a:off x="4239491" y="1690687"/>
+            <a:off x="5552902" y="1759700"/>
             <a:ext cx="4723982" cy="584775"/>
           </a:xfrm>
           <a:prstGeom prst="rect">
@@ -6809,7 +6809,7 @@
         </p:nvSpPr>
         <p:spPr>
           <a:xfrm>
-            <a:off x="3865418" y="1845425"/>
+            <a:off x="5178829" y="1914438"/>
             <a:ext cx="615142" cy="296112"/>
           </a:xfrm>
           <a:prstGeom prst="rightArrow">
@@ -6857,7 +6857,7 @@
             </p:nvSpPr>
             <p:spPr>
               <a:xfrm>
-                <a:off x="7043233" y="2275462"/>
+                <a:off x="8356644" y="2344475"/>
                 <a:ext cx="3239612" cy="763094"/>
               </a:xfrm>
               <a:prstGeom prst="rect">
@@ -6871,6 +6871,7 @@
               </a:bodyPr>
               <a:lstStyle/>
               <a:p>
+                <a:pPr/>
                 <a14:m>
                   <m:oMathPara xmlns:m="http://schemas.openxmlformats.org/officeDocument/2006/math">
                     <m:oMathParaPr>
@@ -7052,7 +7053,7 @@
             </p:nvSpPr>
             <p:spPr>
               <a:xfrm>
-                <a:off x="7043233" y="2275462"/>
+                <a:off x="8356644" y="2344475"/>
                 <a:ext cx="3239612" cy="763094"/>
               </a:xfrm>
               <a:prstGeom prst="rect">
@@ -9627,8 +9628,8 @@
           </a:p>
         </p:txBody>
       </p:sp>
-      <mc:AlternateContent xmlns:mc="http://schemas.openxmlformats.org/markup-compatibility/2006">
-        <mc:Choice xmlns:a14="http://schemas.microsoft.com/office/drawing/2010/main" Requires="a14">
+      <mc:AlternateContent xmlns:mc="http://schemas.openxmlformats.org/markup-compatibility/2006" xmlns:a14="http://schemas.microsoft.com/office/drawing/2010/main">
+        <mc:Choice Requires="a14">
           <p:sp>
             <p:nvSpPr>
               <p:cNvPr id="46" name="TextBox 45">
@@ -9657,6 +9658,7 @@
               </a:bodyPr>
               <a:lstStyle/>
               <a:p>
+                <a:pPr/>
                 <a14:m>
                   <m:oMathPara xmlns:m="http://schemas.openxmlformats.org/officeDocument/2006/math">
                     <m:oMathParaPr>
@@ -9821,7 +9823,7 @@
             </p:txBody>
           </p:sp>
         </mc:Choice>
-        <mc:Fallback>
+        <mc:Fallback xmlns="">
           <p:sp>
             <p:nvSpPr>
               <p:cNvPr id="46" name="TextBox 45">
@@ -10121,13 +10123,7 @@
                           <a:rPr lang="en-US" altLang="ko-KR" b="0" i="1" smtClean="0">
                             <a:latin typeface="Cambria Math" panose="02040503050406030204" pitchFamily="18" charset="0"/>
                           </a:rPr>
-                          <m:t>+</m:t>
-                        </m:r>
-                        <m:r>
-                          <a:rPr lang="en-US" altLang="ko-KR" b="0" i="1" smtClean="0">
-                            <a:latin typeface="Cambria Math" panose="02040503050406030204" pitchFamily="18" charset="0"/>
-                          </a:rPr>
-                          <m:t>1</m:t>
+                          <m:t>+1</m:t>
                         </m:r>
                       </m:sub>
                     </m:sSub>
@@ -10172,6 +10168,9 @@
                       <m:sSubPr>
                         <m:ctrlPr>
                           <a:rPr lang="en-US" altLang="ko-KR" b="1" i="1" smtClean="0">
+                            <a:solidFill>
+                              <a:srgbClr val="FF0000"/>
+                            </a:solidFill>
                             <a:latin typeface="Cambria Math" panose="02040503050406030204" pitchFamily="18" charset="0"/>
                           </a:rPr>
                         </m:ctrlPr>
@@ -10179,6 +10178,9 @@
                       <m:e>
                         <m:r>
                           <a:rPr lang="en-US" altLang="ko-KR" b="1" i="1" smtClean="0">
+                            <a:solidFill>
+                              <a:srgbClr val="FF0000"/>
+                            </a:solidFill>
                             <a:latin typeface="Cambria Math" panose="02040503050406030204" pitchFamily="18" charset="0"/>
                           </a:rPr>
                           <m:t>𝒛</m:t>
@@ -10187,6 +10189,9 @@
                       <m:sub>
                         <m:r>
                           <a:rPr lang="en-US" altLang="ko-KR" b="1" i="1" smtClean="0">
+                            <a:solidFill>
+                              <a:srgbClr val="FF0000"/>
+                            </a:solidFill>
                             <a:latin typeface="Cambria Math" panose="02040503050406030204" pitchFamily="18" charset="0"/>
                           </a:rPr>
                           <m:t>𝒍</m:t>
@@ -10587,42 +10592,42 @@
                       <m:sSub>
                         <m:sSubPr>
                           <m:ctrlPr>
-                            <a:rPr lang="en-US" altLang="ko-KR" sz="2800" b="0" i="1" smtClean="0">
+                            <a:rPr lang="en-US" altLang="ko-KR" sz="2800" b="1" i="1" smtClean="0">
                               <a:latin typeface="Cambria Math" panose="02040503050406030204" pitchFamily="18" charset="0"/>
                             </a:rPr>
                           </m:ctrlPr>
                         </m:sSubPr>
                         <m:e>
                           <m:r>
-                            <a:rPr lang="en-US" altLang="ko-KR" sz="2800" b="0" i="1" smtClean="0">
+                            <a:rPr lang="en-US" altLang="ko-KR" sz="2800" b="1" i="1" smtClean="0">
                               <a:latin typeface="Cambria Math" panose="02040503050406030204" pitchFamily="18" charset="0"/>
                             </a:rPr>
-                            <m:t>𝑥</m:t>
+                            <m:t>𝒙</m:t>
                           </m:r>
                         </m:e>
                         <m:sub>
                           <m:r>
-                            <a:rPr lang="en-US" altLang="ko-KR" sz="2800" b="0" i="1" smtClean="0">
+                            <a:rPr lang="en-US" altLang="ko-KR" sz="2800" b="1" i="1" smtClean="0">
                               <a:latin typeface="Cambria Math" panose="02040503050406030204" pitchFamily="18" charset="0"/>
                             </a:rPr>
-                            <m:t>𝑙</m:t>
+                            <m:t>𝒍</m:t>
                           </m:r>
                           <m:r>
-                            <a:rPr lang="en-US" altLang="ko-KR" sz="2800" b="0" i="1" smtClean="0">
+                            <a:rPr lang="en-US" altLang="ko-KR" sz="2800" b="1" i="1" smtClean="0">
                               <a:latin typeface="Cambria Math" panose="02040503050406030204" pitchFamily="18" charset="0"/>
                             </a:rPr>
                             <m:t>+</m:t>
                           </m:r>
                           <m:r>
-                            <a:rPr lang="en-US" altLang="ko-KR" sz="2800" b="0" i="1" smtClean="0">
+                            <a:rPr lang="en-US" altLang="ko-KR" sz="2800" b="1" i="1" smtClean="0">
                               <a:latin typeface="Cambria Math" panose="02040503050406030204" pitchFamily="18" charset="0"/>
                             </a:rPr>
-                            <m:t>1</m:t>
+                            <m:t>𝟏</m:t>
                           </m:r>
                         </m:sub>
                       </m:sSub>
                       <m:r>
-                        <a:rPr lang="en-US" altLang="ko-KR" sz="2800" b="0" i="1" smtClean="0">
+                        <a:rPr lang="en-US" altLang="ko-KR" sz="2800" b="1" i="1" smtClean="0">
                           <a:latin typeface="Cambria Math" panose="02040503050406030204" pitchFamily="18" charset="0"/>
                         </a:rPr>
                         <m:t>=</m:t>
@@ -10630,30 +10635,30 @@
                       <m:sSub>
                         <m:sSubPr>
                           <m:ctrlPr>
-                            <a:rPr lang="en-US" altLang="ko-KR" sz="2800" b="0" i="1" smtClean="0">
+                            <a:rPr lang="en-US" altLang="ko-KR" sz="2800" b="1" i="1" smtClean="0">
                               <a:latin typeface="Cambria Math" panose="02040503050406030204" pitchFamily="18" charset="0"/>
                             </a:rPr>
                           </m:ctrlPr>
                         </m:sSubPr>
                         <m:e>
                           <m:r>
-                            <a:rPr lang="en-US" altLang="ko-KR" sz="2800" b="0" i="1" smtClean="0">
+                            <a:rPr lang="en-US" altLang="ko-KR" sz="2800" b="1" i="1" smtClean="0">
                               <a:latin typeface="Cambria Math" panose="02040503050406030204" pitchFamily="18" charset="0"/>
                             </a:rPr>
-                            <m:t>𝑥</m:t>
+                            <m:t>𝒙</m:t>
                           </m:r>
                         </m:e>
                         <m:sub>
                           <m:r>
-                            <a:rPr lang="en-US" altLang="ko-KR" sz="2800" b="0" i="1" smtClean="0">
+                            <a:rPr lang="en-US" altLang="ko-KR" sz="2800" b="1" i="1" smtClean="0">
                               <a:latin typeface="Cambria Math" panose="02040503050406030204" pitchFamily="18" charset="0"/>
                             </a:rPr>
-                            <m:t>𝑙</m:t>
+                            <m:t>𝒍</m:t>
                           </m:r>
                         </m:sub>
                       </m:sSub>
                       <m:r>
-                        <a:rPr lang="en-US" altLang="ko-KR" sz="2800" b="0" i="1" smtClean="0">
+                        <a:rPr lang="en-US" altLang="ko-KR" sz="2800" b="1" i="1" smtClean="0">
                           <a:latin typeface="Cambria Math" panose="02040503050406030204" pitchFamily="18" charset="0"/>
                         </a:rPr>
                         <m:t>+</m:t>
@@ -10661,32 +10666,32 @@
                       <m:sSub>
                         <m:sSubPr>
                           <m:ctrlPr>
-                            <a:rPr lang="en-US" altLang="ko-KR" sz="2800" b="0" i="1" smtClean="0">
+                            <a:rPr lang="en-US" altLang="ko-KR" sz="2800" b="1" i="1" smtClean="0">
                               <a:latin typeface="Cambria Math" panose="02040503050406030204" pitchFamily="18" charset="0"/>
                             </a:rPr>
                           </m:ctrlPr>
                         </m:sSubPr>
                         <m:e>
                           <m:r>
-                            <a:rPr lang="en-US" altLang="ko-KR" sz="2800" b="0" i="1" smtClean="0">
+                            <a:rPr lang="en-US" altLang="ko-KR" sz="2800" b="1" i="1" smtClean="0">
                               <a:latin typeface="Cambria Math" panose="02040503050406030204" pitchFamily="18" charset="0"/>
                             </a:rPr>
-                            <m:t>𝐹</m:t>
+                            <m:t>𝑭</m:t>
                           </m:r>
                         </m:e>
                         <m:sub>
                           <m:r>
-                            <a:rPr lang="en-US" altLang="ko-KR" sz="2800" b="0" i="1" smtClean="0">
+                            <a:rPr lang="en-US" altLang="ko-KR" sz="2800" b="1" i="1" smtClean="0">
                               <a:latin typeface="Cambria Math" panose="02040503050406030204" pitchFamily="18" charset="0"/>
                             </a:rPr>
-                            <m:t>𝑙</m:t>
+                            <m:t>𝒍</m:t>
                           </m:r>
                         </m:sub>
                       </m:sSub>
                       <m:d>
                         <m:dPr>
                           <m:ctrlPr>
-                            <a:rPr lang="en-US" altLang="ko-KR" sz="2800" b="0" i="1" smtClean="0">
+                            <a:rPr lang="en-US" altLang="ko-KR" sz="2800" b="1" i="1" smtClean="0">
                               <a:latin typeface="Cambria Math" panose="02040503050406030204" pitchFamily="18" charset="0"/>
                             </a:rPr>
                           </m:ctrlPr>
@@ -10695,25 +10700,25 @@
                           <m:sSub>
                             <m:sSubPr>
                               <m:ctrlPr>
-                                <a:rPr lang="en-US" altLang="ko-KR" sz="2800" b="0" i="1" smtClean="0">
+                                <a:rPr lang="en-US" altLang="ko-KR" sz="2800" b="1" i="1" smtClean="0">
                                   <a:latin typeface="Cambria Math" panose="02040503050406030204" pitchFamily="18" charset="0"/>
                                 </a:rPr>
                               </m:ctrlPr>
                             </m:sSubPr>
                             <m:e>
                               <m:r>
-                                <a:rPr lang="en-US" altLang="ko-KR" sz="2800" b="0" i="1" smtClean="0">
+                                <a:rPr lang="en-US" altLang="ko-KR" sz="2800" b="1" i="1" smtClean="0">
                                   <a:latin typeface="Cambria Math" panose="02040503050406030204" pitchFamily="18" charset="0"/>
                                 </a:rPr>
-                                <m:t>𝑥</m:t>
+                                <m:t>𝒙</m:t>
                               </m:r>
                             </m:e>
                             <m:sub>
                               <m:r>
-                                <a:rPr lang="en-US" altLang="ko-KR" sz="2800" b="0" i="1" smtClean="0">
+                                <a:rPr lang="en-US" altLang="ko-KR" sz="2800" b="1" i="1" smtClean="0">
                                   <a:latin typeface="Cambria Math" panose="02040503050406030204" pitchFamily="18" charset="0"/>
                                 </a:rPr>
-                                <m:t>𝑙</m:t>
+                                <m:t>𝒍</m:t>
                               </m:r>
                             </m:sub>
                           </m:sSub>
@@ -10722,7 +10727,7 @@
                     </m:oMath>
                   </m:oMathPara>
                 </a14:m>
-                <a:endParaRPr lang="ko-KR" altLang="en-US" sz="2800" dirty="0"/>
+                <a:endParaRPr lang="ko-KR" altLang="en-US" sz="2800" b="1" dirty="0"/>
               </a:p>
             </p:txBody>
           </p:sp>
@@ -10855,8 +10860,8 @@
           </a:p>
         </p:txBody>
       </p:sp>
-      <mc:AlternateContent xmlns:mc="http://schemas.openxmlformats.org/markup-compatibility/2006">
-        <mc:Choice xmlns:a14="http://schemas.microsoft.com/office/drawing/2010/main" Requires="a14">
+      <mc:AlternateContent xmlns:mc="http://schemas.openxmlformats.org/markup-compatibility/2006" xmlns:a14="http://schemas.microsoft.com/office/drawing/2010/main">
+        <mc:Choice Requires="a14">
           <p:sp>
             <p:nvSpPr>
               <p:cNvPr id="51" name="TextBox 50">
@@ -10885,6 +10890,7 @@
               </a:bodyPr>
               <a:lstStyle/>
               <a:p>
+                <a:pPr/>
                 <a14:m>
                   <m:oMathPara xmlns:m="http://schemas.openxmlformats.org/officeDocument/2006/math">
                     <m:oMathParaPr>
@@ -10970,19 +10976,7 @@
                         <a:rPr lang="en-US" altLang="ko-KR" b="0" i="1" smtClean="0">
                           <a:latin typeface="Cambria Math" panose="02040503050406030204" pitchFamily="18" charset="0"/>
                         </a:rPr>
-                        <m:t>=</m:t>
-                      </m:r>
-                      <m:r>
-                        <a:rPr lang="en-US" altLang="ko-KR" b="0" i="1" smtClean="0">
-                          <a:latin typeface="Cambria Math" panose="02040503050406030204" pitchFamily="18" charset="0"/>
-                        </a:rPr>
-                        <m:t>0</m:t>
-                      </m:r>
-                      <m:r>
-                        <a:rPr lang="en-US" altLang="ko-KR" b="0" i="1" smtClean="0">
-                          <a:latin typeface="Cambria Math" panose="02040503050406030204" pitchFamily="18" charset="0"/>
-                        </a:rPr>
-                        <m:t>,…,</m:t>
+                        <m:t>=0,…,</m:t>
                       </m:r>
                       <m:r>
                         <a:rPr lang="en-US" altLang="ko-KR" b="0" i="1" smtClean="0">
@@ -10994,19 +10988,7 @@
                         <a:rPr lang="en-US" altLang="ko-KR" b="0" i="1" smtClean="0">
                           <a:latin typeface="Cambria Math" panose="02040503050406030204" pitchFamily="18" charset="0"/>
                         </a:rPr>
-                        <m:t>−</m:t>
-                      </m:r>
-                      <m:r>
-                        <a:rPr lang="en-US" altLang="ko-KR" b="0" i="1" smtClean="0">
-                          <a:latin typeface="Cambria Math" panose="02040503050406030204" pitchFamily="18" charset="0"/>
-                        </a:rPr>
-                        <m:t>1</m:t>
-                      </m:r>
-                      <m:r>
-                        <a:rPr lang="en-US" altLang="ko-KR" b="0" i="1" smtClean="0">
-                          <a:latin typeface="Cambria Math" panose="02040503050406030204" pitchFamily="18" charset="0"/>
-                        </a:rPr>
-                        <m:t>  </m:t>
+                        <m:t>−1  </m:t>
                       </m:r>
                     </m:oMath>
                     <m:oMath xmlns:m="http://schemas.openxmlformats.org/officeDocument/2006/math">
@@ -11014,19 +10996,7 @@
                         <a:rPr lang="en-US" altLang="ko-KR" b="0" i="1" smtClean="0">
                           <a:latin typeface="Cambria Math" panose="02040503050406030204" pitchFamily="18" charset="0"/>
                         </a:rPr>
-                        <m:t>𝑤</m:t>
-                      </m:r>
-                      <m:r>
-                        <a:rPr lang="en-US" altLang="ko-KR" b="0" i="1" smtClean="0">
-                          <a:latin typeface="Cambria Math" panose="02040503050406030204" pitchFamily="18" charset="0"/>
-                        </a:rPr>
-                        <m:t>h</m:t>
-                      </m:r>
-                      <m:r>
-                        <a:rPr lang="en-US" altLang="ko-KR" b="0" i="1" smtClean="0">
-                          <a:latin typeface="Cambria Math" panose="02040503050406030204" pitchFamily="18" charset="0"/>
-                        </a:rPr>
-                        <m:t>𝑒𝑟𝑒</m:t>
+                        <m:t>𝑤h𝑒𝑟𝑒</m:t>
                       </m:r>
                       <m:r>
                         <a:rPr lang="en-US" altLang="ko-KR" b="0" i="1" smtClean="0">
@@ -11062,19 +11032,7 @@
                         <a:rPr lang="en-US" altLang="ko-KR" b="0" i="1" smtClean="0">
                           <a:latin typeface="Cambria Math" panose="02040503050406030204" pitchFamily="18" charset="0"/>
                         </a:rPr>
-                        <m:t>𝑡</m:t>
-                      </m:r>
-                      <m:r>
-                        <a:rPr lang="en-US" altLang="ko-KR" b="0" i="1" smtClean="0">
-                          <a:latin typeface="Cambria Math" panose="02040503050406030204" pitchFamily="18" charset="0"/>
-                        </a:rPr>
-                        <m:t>h</m:t>
-                      </m:r>
-                      <m:r>
-                        <a:rPr lang="en-US" altLang="ko-KR" b="0" i="1" smtClean="0">
-                          <a:latin typeface="Cambria Math" panose="02040503050406030204" pitchFamily="18" charset="0"/>
-                        </a:rPr>
-                        <m:t>𝑒</m:t>
+                        <m:t>𝑡h𝑒</m:t>
                       </m:r>
                       <m:r>
                         <a:rPr lang="en-US" altLang="ko-KR" b="0" i="1" smtClean="0">
@@ -11086,13 +11044,7 @@
                         <a:rPr lang="en-US" altLang="ko-KR" b="0" i="1" smtClean="0">
                           <a:latin typeface="Cambria Math" panose="02040503050406030204" pitchFamily="18" charset="0"/>
                         </a:rPr>
-                        <m:t>𝑑𝑒𝑝𝑡</m:t>
-                      </m:r>
-                      <m:r>
-                        <a:rPr lang="en-US" altLang="ko-KR" b="0" i="1" smtClean="0">
-                          <a:latin typeface="Cambria Math" panose="02040503050406030204" pitchFamily="18" charset="0"/>
-                        </a:rPr>
-                        <m:t>h</m:t>
+                        <m:t>𝑑𝑒𝑝𝑡h</m:t>
                       </m:r>
                       <m:r>
                         <a:rPr lang="en-US" altLang="ko-KR" b="0" i="1" smtClean="0">
@@ -11116,19 +11068,7 @@
                         <a:rPr lang="en-US" altLang="ko-KR" b="0" i="1" smtClean="0">
                           <a:latin typeface="Cambria Math" panose="02040503050406030204" pitchFamily="18" charset="0"/>
                         </a:rPr>
-                        <m:t>𝑡</m:t>
-                      </m:r>
-                      <m:r>
-                        <a:rPr lang="en-US" altLang="ko-KR" b="0" i="1" smtClean="0">
-                          <a:latin typeface="Cambria Math" panose="02040503050406030204" pitchFamily="18" charset="0"/>
-                        </a:rPr>
-                        <m:t>h</m:t>
-                      </m:r>
-                      <m:r>
-                        <a:rPr lang="en-US" altLang="ko-KR" b="0" i="1" smtClean="0">
-                          <a:latin typeface="Cambria Math" panose="02040503050406030204" pitchFamily="18" charset="0"/>
-                        </a:rPr>
-                        <m:t>𝑒</m:t>
+                        <m:t>𝑡h𝑒</m:t>
                       </m:r>
                       <m:r>
                         <a:rPr lang="en-US" altLang="ko-KR" b="0" i="1" smtClean="0">
@@ -11153,7 +11093,7 @@
             </p:txBody>
           </p:sp>
         </mc:Choice>
-        <mc:Fallback>
+        <mc:Fallback xmlns="">
           <p:sp>
             <p:nvSpPr>
               <p:cNvPr id="51" name="TextBox 50">
@@ -11198,8 +11138,8 @@
           </p:sp>
         </mc:Fallback>
       </mc:AlternateContent>
-      <mc:AlternateContent xmlns:mc="http://schemas.openxmlformats.org/markup-compatibility/2006">
-        <mc:Choice xmlns:a14="http://schemas.microsoft.com/office/drawing/2010/main" Requires="a14">
+      <mc:AlternateContent xmlns:mc="http://schemas.openxmlformats.org/markup-compatibility/2006" xmlns:a14="http://schemas.microsoft.com/office/drawing/2010/main">
+        <mc:Choice Requires="a14">
           <p:sp>
             <p:nvSpPr>
               <p:cNvPr id="52" name="TextBox 51">
@@ -11350,7 +11290,7 @@
             </p:txBody>
           </p:sp>
         </mc:Choice>
-        <mc:Fallback>
+        <mc:Fallback xmlns="">
           <p:sp>
             <p:nvSpPr>
               <p:cNvPr id="52" name="TextBox 51">
@@ -11395,8 +11335,8 @@
           </p:sp>
         </mc:Fallback>
       </mc:AlternateContent>
-      <mc:AlternateContent xmlns:mc="http://schemas.openxmlformats.org/markup-compatibility/2006">
-        <mc:Choice xmlns:a14="http://schemas.microsoft.com/office/drawing/2010/main" Requires="a14">
+      <mc:AlternateContent xmlns:mc="http://schemas.openxmlformats.org/markup-compatibility/2006" xmlns:a14="http://schemas.microsoft.com/office/drawing/2010/main">
+        <mc:Choice Requires="a14">
           <p:sp>
             <p:nvSpPr>
               <p:cNvPr id="53" name="TextBox 52">
@@ -11601,7 +11541,7 @@
             </p:txBody>
           </p:sp>
         </mc:Choice>
-        <mc:Fallback>
+        <mc:Fallback xmlns="">
           <p:sp>
             <p:nvSpPr>
               <p:cNvPr id="53" name="TextBox 52">
@@ -11850,8 +11790,8 @@
           </a:p>
         </p:txBody>
       </p:sp>
-      <mc:AlternateContent xmlns:mc="http://schemas.openxmlformats.org/markup-compatibility/2006">
-        <mc:Choice xmlns:a14="http://schemas.microsoft.com/office/drawing/2010/main" Requires="a14">
+      <mc:AlternateContent xmlns:mc="http://schemas.openxmlformats.org/markup-compatibility/2006" xmlns:a14="http://schemas.microsoft.com/office/drawing/2010/main">
+        <mc:Choice Requires="a14">
           <p:sp>
             <p:nvSpPr>
               <p:cNvPr id="56" name="TextBox 55">
@@ -11880,6 +11820,7 @@
               </a:bodyPr>
               <a:lstStyle/>
               <a:p>
+                <a:pPr/>
                 <a14:m>
                   <m:oMathPara xmlns:m="http://schemas.openxmlformats.org/officeDocument/2006/math">
                     <m:oMathParaPr>
@@ -11913,13 +11854,7 @@
                             <a:rPr lang="en-US" altLang="ko-KR" b="0" i="1" smtClean="0">
                               <a:latin typeface="Cambria Math" panose="02040503050406030204" pitchFamily="18" charset="0"/>
                             </a:rPr>
-                            <m:t>+</m:t>
-                          </m:r>
-                          <m:r>
-                            <a:rPr lang="en-US" altLang="ko-KR" b="0" i="1" smtClean="0">
-                              <a:latin typeface="Cambria Math" panose="02040503050406030204" pitchFamily="18" charset="0"/>
-                            </a:rPr>
-                            <m:t>1</m:t>
+                            <m:t>+1</m:t>
                           </m:r>
                         </m:sub>
                       </m:sSub>
@@ -11931,7 +11866,7 @@
             </p:txBody>
           </p:sp>
         </mc:Choice>
-        <mc:Fallback>
+        <mc:Fallback xmlns="">
           <p:sp>
             <p:nvSpPr>
               <p:cNvPr id="56" name="TextBox 55">
@@ -11976,8 +11911,8 @@
           </p:sp>
         </mc:Fallback>
       </mc:AlternateContent>
-      <mc:AlternateContent xmlns:mc="http://schemas.openxmlformats.org/markup-compatibility/2006">
-        <mc:Choice xmlns:a14="http://schemas.microsoft.com/office/drawing/2010/main" Requires="a14">
+      <mc:AlternateContent xmlns:mc="http://schemas.openxmlformats.org/markup-compatibility/2006" xmlns:a14="http://schemas.microsoft.com/office/drawing/2010/main">
+        <mc:Choice Requires="a14">
           <p:sp>
             <p:nvSpPr>
               <p:cNvPr id="59" name="TextBox 58">
@@ -12006,6 +11941,7 @@
               </a:bodyPr>
               <a:lstStyle/>
               <a:p>
+                <a:pPr/>
                 <a14:m>
                   <m:oMathPara xmlns:m="http://schemas.openxmlformats.org/officeDocument/2006/math">
                     <m:oMathParaPr>
@@ -12045,7 +11981,7 @@
             </p:txBody>
           </p:sp>
         </mc:Choice>
-        <mc:Fallback>
+        <mc:Fallback xmlns="">
           <p:sp>
             <p:nvSpPr>
               <p:cNvPr id="59" name="TextBox 58">
@@ -12212,7 +12148,7 @@
         </p:blipFill>
         <p:spPr>
           <a:xfrm>
-            <a:off x="1000125" y="4502192"/>
+            <a:off x="1008438" y="4502192"/>
             <a:ext cx="9714115" cy="2304092"/>
           </a:xfrm>
           <a:prstGeom prst="rect">
@@ -13198,8 +13134,8 @@
           </a:fontRef>
         </p:style>
       </p:cxnSp>
-      <mc:AlternateContent xmlns:mc="http://schemas.openxmlformats.org/markup-compatibility/2006">
-        <mc:Choice xmlns:a14="http://schemas.microsoft.com/office/drawing/2010/main" Requires="a14">
+      <mc:AlternateContent xmlns:mc="http://schemas.openxmlformats.org/markup-compatibility/2006" xmlns:a14="http://schemas.microsoft.com/office/drawing/2010/main">
+        <mc:Choice Requires="a14">
           <p:sp>
             <p:nvSpPr>
               <p:cNvPr id="21" name="TextBox 20">
@@ -13228,6 +13164,7 @@
               </a:bodyPr>
               <a:lstStyle/>
               <a:p>
+                <a:pPr/>
                 <a14:m>
                   <m:oMathPara xmlns:m="http://schemas.openxmlformats.org/officeDocument/2006/math">
                     <m:oMathParaPr>
@@ -13358,7 +13295,7 @@
             </p:txBody>
           </p:sp>
         </mc:Choice>
-        <mc:Fallback>
+        <mc:Fallback xmlns="">
           <p:sp>
             <p:nvSpPr>
               <p:cNvPr id="21" name="TextBox 20">
@@ -13403,8 +13340,8 @@
           </p:sp>
         </mc:Fallback>
       </mc:AlternateContent>
-      <mc:AlternateContent xmlns:mc="http://schemas.openxmlformats.org/markup-compatibility/2006">
-        <mc:Choice xmlns:a14="http://schemas.microsoft.com/office/drawing/2010/main" Requires="a14">
+      <mc:AlternateContent xmlns:mc="http://schemas.openxmlformats.org/markup-compatibility/2006" xmlns:a14="http://schemas.microsoft.com/office/drawing/2010/main">
+        <mc:Choice Requires="a14">
           <p:sp>
             <p:nvSpPr>
               <p:cNvPr id="32" name="TextBox 31">
@@ -13433,6 +13370,7 @@
               </a:bodyPr>
               <a:lstStyle/>
               <a:p>
+                <a:pPr/>
                 <a14:m>
                   <m:oMathPara xmlns:m="http://schemas.openxmlformats.org/officeDocument/2006/math">
                     <m:oMathParaPr>
@@ -13846,7 +13784,7 @@
             </p:txBody>
           </p:sp>
         </mc:Choice>
-        <mc:Fallback>
+        <mc:Fallback xmlns="">
           <p:sp>
             <p:nvSpPr>
               <p:cNvPr id="32" name="TextBox 31">
@@ -14073,7 +14011,7 @@
             </p:nvSpPr>
             <p:spPr>
               <a:xfrm>
-                <a:off x="1418876" y="2004354"/>
+                <a:off x="1320144" y="1921461"/>
                 <a:ext cx="1465562" cy="584775"/>
               </a:xfrm>
               <a:prstGeom prst="rect">
@@ -14087,6 +14025,7 @@
               </a:bodyPr>
               <a:lstStyle/>
               <a:p>
+                <a:pPr/>
                 <a14:m>
                   <m:oMathPara xmlns:m="http://schemas.openxmlformats.org/officeDocument/2006/math">
                     <m:oMathParaPr>
@@ -14145,7 +14084,7 @@
             </p:nvSpPr>
             <p:spPr>
               <a:xfrm>
-                <a:off x="1418876" y="2004354"/>
+                <a:off x="1320144" y="1921461"/>
                 <a:ext cx="1465562" cy="584775"/>
               </a:xfrm>
               <a:prstGeom prst="rect">
@@ -14340,8 +14279,8 @@
           </a:p>
         </p:txBody>
       </p:sp>
-      <mc:AlternateContent xmlns:mc="http://schemas.openxmlformats.org/markup-compatibility/2006">
-        <mc:Choice xmlns:a14="http://schemas.microsoft.com/office/drawing/2010/main" Requires="a14">
+      <mc:AlternateContent xmlns:mc="http://schemas.openxmlformats.org/markup-compatibility/2006" xmlns:a14="http://schemas.microsoft.com/office/drawing/2010/main">
+        <mc:Choice Requires="a14">
           <p:sp>
             <p:nvSpPr>
               <p:cNvPr id="3" name="내용 개체 틀 2">
@@ -14541,7 +14480,7 @@
             </p:txBody>
           </p:sp>
         </mc:Choice>
-        <mc:Fallback>
+        <mc:Fallback xmlns="">
           <p:sp>
             <p:nvSpPr>
               <p:cNvPr id="3" name="내용 개체 틀 2">
@@ -14581,8 +14520,8 @@
           </p:sp>
         </mc:Fallback>
       </mc:AlternateContent>
-      <mc:AlternateContent xmlns:mc="http://schemas.openxmlformats.org/markup-compatibility/2006">
-        <mc:Choice xmlns:a14="http://schemas.microsoft.com/office/drawing/2010/main" Requires="a14">
+      <mc:AlternateContent xmlns:mc="http://schemas.openxmlformats.org/markup-compatibility/2006" xmlns:a14="http://schemas.microsoft.com/office/drawing/2010/main">
+        <mc:Choice Requires="a14">
           <p:sp>
             <p:nvSpPr>
               <p:cNvPr id="4" name="TextBox 3">
@@ -14611,6 +14550,7 @@
               </a:bodyPr>
               <a:lstStyle/>
               <a:p>
+                <a:pPr/>
                 <a14:m>
                   <m:oMathPara xmlns:m="http://schemas.openxmlformats.org/officeDocument/2006/math">
                     <m:oMathParaPr>
@@ -14813,7 +14753,7 @@
             </p:txBody>
           </p:sp>
         </mc:Choice>
-        <mc:Fallback>
+        <mc:Fallback xmlns="">
           <p:sp>
             <p:nvSpPr>
               <p:cNvPr id="4" name="TextBox 3">
@@ -14858,8 +14798,8 @@
           </p:sp>
         </mc:Fallback>
       </mc:AlternateContent>
-      <mc:AlternateContent xmlns:mc="http://schemas.openxmlformats.org/markup-compatibility/2006">
-        <mc:Choice xmlns:a14="http://schemas.microsoft.com/office/drawing/2010/main" Requires="a14">
+      <mc:AlternateContent xmlns:mc="http://schemas.openxmlformats.org/markup-compatibility/2006" xmlns:a14="http://schemas.microsoft.com/office/drawing/2010/main">
+        <mc:Choice Requires="a14">
           <p:sp>
             <p:nvSpPr>
               <p:cNvPr id="5" name="TextBox 4">
@@ -15471,6 +15411,7 @@
                 </a:endParaRPr>
               </a:p>
               <a:p>
+                <a:pPr/>
                 <a14:m>
                   <m:oMathPara xmlns:m="http://schemas.openxmlformats.org/officeDocument/2006/math">
                     <m:oMathParaPr>
@@ -15857,7 +15798,7 @@
             </p:txBody>
           </p:sp>
         </mc:Choice>
-        <mc:Fallback>
+        <mc:Fallback xmlns="">
           <p:sp>
             <p:nvSpPr>
               <p:cNvPr id="5" name="TextBox 4">
@@ -16015,8 +15956,8 @@
           </a:p>
         </p:txBody>
       </p:sp>
-      <mc:AlternateContent xmlns:mc="http://schemas.openxmlformats.org/markup-compatibility/2006">
-        <mc:Choice xmlns:a14="http://schemas.microsoft.com/office/drawing/2010/main" Requires="a14">
+      <mc:AlternateContent xmlns:mc="http://schemas.openxmlformats.org/markup-compatibility/2006" xmlns:a14="http://schemas.microsoft.com/office/drawing/2010/main">
+        <mc:Choice Requires="a14">
           <p:sp>
             <p:nvSpPr>
               <p:cNvPr id="3" name="내용 개체 틀 2">
@@ -16221,7 +16162,7 @@
             </p:txBody>
           </p:sp>
         </mc:Choice>
-        <mc:Fallback>
+        <mc:Fallback xmlns="">
           <p:sp>
             <p:nvSpPr>
               <p:cNvPr id="3" name="내용 개체 틀 2">
@@ -16265,8 +16206,8 @@
           </p:sp>
         </mc:Fallback>
       </mc:AlternateContent>
-      <mc:AlternateContent xmlns:mc="http://schemas.openxmlformats.org/markup-compatibility/2006">
-        <mc:Choice xmlns:a14="http://schemas.microsoft.com/office/drawing/2010/main" Requires="a14">
+      <mc:AlternateContent xmlns:mc="http://schemas.openxmlformats.org/markup-compatibility/2006" xmlns:a14="http://schemas.microsoft.com/office/drawing/2010/main">
+        <mc:Choice Requires="a14">
           <p:sp>
             <p:nvSpPr>
               <p:cNvPr id="4" name="TextBox 3">
@@ -16295,6 +16236,7 @@
               </a:bodyPr>
               <a:lstStyle/>
               <a:p>
+                <a:pPr/>
                 <a14:m>
                   <m:oMathPara xmlns:m="http://schemas.openxmlformats.org/officeDocument/2006/math">
                     <m:oMathParaPr>
@@ -16497,7 +16439,7 @@
             </p:txBody>
           </p:sp>
         </mc:Choice>
-        <mc:Fallback>
+        <mc:Fallback xmlns="">
           <p:sp>
             <p:nvSpPr>
               <p:cNvPr id="4" name="TextBox 3">
@@ -16542,8 +16484,8 @@
           </p:sp>
         </mc:Fallback>
       </mc:AlternateContent>
-      <mc:AlternateContent xmlns:mc="http://schemas.openxmlformats.org/markup-compatibility/2006">
-        <mc:Choice xmlns:a14="http://schemas.microsoft.com/office/drawing/2010/main" Requires="a14">
+      <mc:AlternateContent xmlns:mc="http://schemas.openxmlformats.org/markup-compatibility/2006" xmlns:a14="http://schemas.microsoft.com/office/drawing/2010/main">
+        <mc:Choice Requires="a14">
           <p:sp>
             <p:nvSpPr>
               <p:cNvPr id="5" name="TextBox 4">
@@ -16656,7 +16598,7 @@
             </p:txBody>
           </p:sp>
         </mc:Choice>
-        <mc:Fallback>
+        <mc:Fallback xmlns="">
           <p:sp>
             <p:nvSpPr>
               <p:cNvPr id="5" name="TextBox 4">
@@ -16748,8 +16690,8 @@
           </a:extLst>
         </p:spPr>
       </p:pic>
-      <mc:AlternateContent xmlns:mc="http://schemas.openxmlformats.org/markup-compatibility/2006">
-        <mc:Choice xmlns:a14="http://schemas.microsoft.com/office/drawing/2010/main" Requires="a14">
+      <mc:AlternateContent xmlns:mc="http://schemas.openxmlformats.org/markup-compatibility/2006" xmlns:a14="http://schemas.microsoft.com/office/drawing/2010/main">
+        <mc:Choice Requires="a14">
           <p:sp>
             <p:nvSpPr>
               <p:cNvPr id="6" name="TextBox 5">
@@ -17032,7 +16974,7 @@
             </p:txBody>
           </p:sp>
         </mc:Choice>
-        <mc:Fallback>
+        <mc:Fallback xmlns="">
           <p:sp>
             <p:nvSpPr>
               <p:cNvPr id="6" name="TextBox 5">
@@ -17077,8 +17019,8 @@
           </p:sp>
         </mc:Fallback>
       </mc:AlternateContent>
-      <mc:AlternateContent xmlns:mc="http://schemas.openxmlformats.org/markup-compatibility/2006">
-        <mc:Choice xmlns:a14="http://schemas.microsoft.com/office/drawing/2010/main" Requires="a14">
+      <mc:AlternateContent xmlns:mc="http://schemas.openxmlformats.org/markup-compatibility/2006" xmlns:a14="http://schemas.microsoft.com/office/drawing/2010/main">
+        <mc:Choice Requires="a14">
           <p:sp>
             <p:nvSpPr>
               <p:cNvPr id="11" name="TextBox 10">
@@ -17448,7 +17390,7 @@
             </p:txBody>
           </p:sp>
         </mc:Choice>
-        <mc:Fallback>
+        <mc:Fallback xmlns="">
           <p:sp>
             <p:nvSpPr>
               <p:cNvPr id="11" name="TextBox 10">
@@ -17493,8 +17435,8 @@
           </p:sp>
         </mc:Fallback>
       </mc:AlternateContent>
-      <mc:AlternateContent xmlns:mc="http://schemas.openxmlformats.org/markup-compatibility/2006">
-        <mc:Choice xmlns:a14="http://schemas.microsoft.com/office/drawing/2010/main" Requires="a14">
+      <mc:AlternateContent xmlns:mc="http://schemas.openxmlformats.org/markup-compatibility/2006" xmlns:a14="http://schemas.microsoft.com/office/drawing/2010/main">
+        <mc:Choice Requires="a14">
           <p:sp>
             <p:nvSpPr>
               <p:cNvPr id="14" name="TextBox 13">
@@ -18140,7 +18082,7 @@
             </p:txBody>
           </p:sp>
         </mc:Choice>
-        <mc:Fallback>
+        <mc:Fallback xmlns="">
           <p:sp>
             <p:nvSpPr>
               <p:cNvPr id="14" name="TextBox 13">
